--- a/public/user/output/U201812791-刘棫欣-1.《喜马拉雅FM免费增值策略对用户留存的影响的实证研究》/output_0_1.pptx
+++ b/public/user/output/U201812791-刘棫欣-1.《喜马拉雅FM免费增值策略对用户留存的影响的实证研究》/output_0_1.pptx
@@ -3536,7 +3536,7 @@
               </a:defRPr>
             </a:pPr>
             <a:r>
-              <a:t>1 研究背景</a:t>
+              <a:t>1 1 绪论</a:t>
             </a:r>
           </a:p>
         </p:txBody>
@@ -3572,7 +3572,7 @@
               </a:defRPr>
             </a:pPr>
             <a:r>
-              <a:t>2 研究目的</a:t>
+              <a:t>2 1.1 研究背景和问题</a:t>
             </a:r>
           </a:p>
         </p:txBody>
@@ -3608,7 +3608,7 @@
               </a:defRPr>
             </a:pPr>
             <a:r>
-              <a:t>3 研究综述</a:t>
+              <a:t>3 2 文献综述</a:t>
             </a:r>
           </a:p>
         </p:txBody>
@@ -3644,7 +3644,7 @@
               </a:defRPr>
             </a:pPr>
             <a:r>
-              <a:t>4 研究假设</a:t>
+              <a:t>4 5 免费增值策略对用户留存影响的实证分析</a:t>
             </a:r>
           </a:p>
         </p:txBody>
@@ -3680,7 +3680,7 @@
               </a:defRPr>
             </a:pPr>
             <a:r>
-              <a:t>5 数据与样本</a:t>
+              <a:t>5 3 研究场景与数据描述</a:t>
             </a:r>
           </a:p>
         </p:txBody>
@@ -3716,7 +3716,7 @@
               </a:defRPr>
             </a:pPr>
             <a:r>
-              <a:t>6 变量定义</a:t>
+              <a:t>6 3.3 变量描述</a:t>
             </a:r>
           </a:p>
         </p:txBody>
@@ -3752,7 +3752,7 @@
               </a:defRPr>
             </a:pPr>
             <a:r>
-              <a:t>7 检验</a:t>
+              <a:t>7 5.2 模型检验</a:t>
             </a:r>
           </a:p>
         </p:txBody>
@@ -3788,7 +3788,7 @@
               </a:defRPr>
             </a:pPr>
             <a:r>
-              <a:t>8 结论与分析</a:t>
+              <a:t>8 6 结论与启示</a:t>
             </a:r>
           </a:p>
         </p:txBody>
@@ -3824,7 +3824,7 @@
               </a:defRPr>
             </a:pPr>
             <a:r>
-              <a:t>9 实证研究类v3</a:t>
+              <a:t>9 3.4 变量的描述性统计</a:t>
             </a:r>
           </a:p>
         </p:txBody>
